--- a/Embeded-Systems.pptx
+++ b/Embeded-Systems.pptx
@@ -119,7 +119,7 @@
   </p:defaultTextStyle>
   <p:extLst>
     <p:ext uri="{EFAFB233-063F-42B5-8137-9DF3F51BA10A}">
-      <p15:sldGuideLst xmlns="" xmlns:p15="http://schemas.microsoft.com/office/powerpoint/2012/main">
+      <p15:sldGuideLst xmlns:p15="http://schemas.microsoft.com/office/powerpoint/2012/main">
         <p15:guide id="1" orient="horz" pos="2160">
           <p15:clr>
             <a:srgbClr val="A4A3A4"/>
@@ -141,7 +141,7 @@
   <p:cmAuthor id="1" name="Γεώργιος-Αλέξης Ιωαννάκης" initials="ΓΙ" lastIdx="2" clrIdx="0">
     <p:extLst>
       <p:ext uri="{19B8F6BF-5375-455C-9EA6-DF929625EA0E}">
-        <p15:presenceInfo xmlns="" xmlns:p15="http://schemas.microsoft.com/office/powerpoint/2012/main" userId="Γεώργιος-Αλέξης Ιωαννάκης" providerId="None"/>
+        <p15:presenceInfo xmlns:p15="http://schemas.microsoft.com/office/powerpoint/2012/main" userId="Γεώργιος-Αλέξης Ιωαννάκης" providerId="None"/>
       </p:ext>
     </p:extLst>
   </p:cmAuthor>
@@ -149,8 +149,18 @@
 </file>
 
 <file path=ppt/charts/chart1.xml><?xml version="1.0" encoding="utf-8"?>
-<c:chartSpace xmlns:c="http://schemas.openxmlformats.org/drawingml/2006/chart" xmlns:a="http://schemas.openxmlformats.org/drawingml/2006/main" xmlns:r="http://schemas.openxmlformats.org/officeDocument/2006/relationships">
-  <c:lang val="en-US"/>
+<c:chartSpace xmlns:c="http://schemas.openxmlformats.org/drawingml/2006/chart" xmlns:a="http://schemas.openxmlformats.org/drawingml/2006/main" xmlns:r="http://schemas.openxmlformats.org/officeDocument/2006/relationships" xmlns:c16r2="http://schemas.microsoft.com/office/drawing/2015/06/chart">
+  <c:date1904 val="0"/>
+  <c:lang val="el-GR"/>
+  <c:roundedCorners val="0"/>
+  <mc:AlternateContent xmlns:mc="http://schemas.openxmlformats.org/markup-compatibility/2006">
+    <mc:Choice xmlns:c14="http://schemas.microsoft.com/office/drawing/2007/8/2/chart" Requires="c14">
+      <c14:style val="102"/>
+    </mc:Choice>
+    <mc:Fallback>
+      <c:style val="2"/>
+    </mc:Fallback>
+  </mc:AlternateContent>
   <c:chart>
     <c:title>
       <c:tx>
@@ -173,13 +183,15 @@
           </a:p>
         </c:rich>
       </c:tx>
-      <c:layout/>
+      <c:overlay val="0"/>
     </c:title>
+    <c:autoTitleDeleted val="0"/>
     <c:plotArea>
       <c:layout/>
       <c:barChart>
         <c:barDir val="col"/>
         <c:grouping val="clustered"/>
+        <c:varyColors val="0"/>
         <c:ser>
           <c:idx val="0"/>
           <c:order val="0"/>
@@ -194,6 +206,7 @@
               </c:strCache>
             </c:strRef>
           </c:tx>
+          <c:invertIfNegative val="0"/>
           <c:cat>
             <c:strRef>
               <c:f>Φύλλο8!$A$2:$A$10</c:f>
@@ -259,6 +272,11 @@
               </c:numCache>
             </c:numRef>
           </c:val>
+          <c:extLst>
+            <c:ext xmlns:c16="http://schemas.microsoft.com/office/drawing/2014/chart" uri="{C3380CC4-5D6E-409C-BE32-E72D297353CC}">
+              <c16:uniqueId val="{00000000-C792-4D03-B6F7-63B41D9FA782}"/>
+            </c:ext>
+          </c:extLst>
         </c:ser>
         <c:ser>
           <c:idx val="1"/>
@@ -274,6 +292,7 @@
               </c:strCache>
             </c:strRef>
           </c:tx>
+          <c:invertIfNegative val="0"/>
           <c:cat>
             <c:strRef>
               <c:f>Φύλλο8!$A$2:$A$10</c:f>
@@ -339,6 +358,11 @@
               </c:numCache>
             </c:numRef>
           </c:val>
+          <c:extLst>
+            <c:ext xmlns:c16="http://schemas.microsoft.com/office/drawing/2014/chart" uri="{C3380CC4-5D6E-409C-BE32-E72D297353CC}">
+              <c16:uniqueId val="{00000001-C792-4D03-B6F7-63B41D9FA782}"/>
+            </c:ext>
+          </c:extLst>
         </c:ser>
         <c:ser>
           <c:idx val="2"/>
@@ -354,6 +378,7 @@
               </c:strCache>
             </c:strRef>
           </c:tx>
+          <c:invertIfNegative val="0"/>
           <c:cat>
             <c:strRef>
               <c:f>Φύλλο8!$A$2:$A$10</c:f>
@@ -425,6 +450,11 @@
               </c:numCache>
             </c:numRef>
           </c:val>
+          <c:extLst>
+            <c:ext xmlns:c16="http://schemas.microsoft.com/office/drawing/2014/chart" uri="{C3380CC4-5D6E-409C-BE32-E72D297353CC}">
+              <c16:uniqueId val="{00000002-C792-4D03-B6F7-63B41D9FA782}"/>
+            </c:ext>
+          </c:extLst>
         </c:ser>
         <c:ser>
           <c:idx val="3"/>
@@ -440,6 +470,7 @@
               </c:strCache>
             </c:strRef>
           </c:tx>
+          <c:invertIfNegative val="0"/>
           <c:cat>
             <c:strRef>
               <c:f>Φύλλο8!$A$2:$A$10</c:f>
@@ -511,6 +542,11 @@
               </c:numCache>
             </c:numRef>
           </c:val>
+          <c:extLst>
+            <c:ext xmlns:c16="http://schemas.microsoft.com/office/drawing/2014/chart" uri="{C3380CC4-5D6E-409C-BE32-E72D297353CC}">
+              <c16:uniqueId val="{00000003-C792-4D03-B6F7-63B41D9FA782}"/>
+            </c:ext>
+          </c:extLst>
         </c:ser>
         <c:ser>
           <c:idx val="4"/>
@@ -526,6 +562,7 @@
               </c:strCache>
             </c:strRef>
           </c:tx>
+          <c:invertIfNegative val="0"/>
           <c:cat>
             <c:strRef>
               <c:f>Φύλλο8!$A$2:$A$10</c:f>
@@ -597,6 +634,11 @@
               </c:numCache>
             </c:numRef>
           </c:val>
+          <c:extLst>
+            <c:ext xmlns:c16="http://schemas.microsoft.com/office/drawing/2014/chart" uri="{C3380CC4-5D6E-409C-BE32-E72D297353CC}">
+              <c16:uniqueId val="{00000004-C792-4D03-B6F7-63B41D9FA782}"/>
+            </c:ext>
+          </c:extLst>
         </c:ser>
         <c:ser>
           <c:idx val="5"/>
@@ -612,6 +654,7 @@
               </c:strCache>
             </c:strRef>
           </c:tx>
+          <c:invertIfNegative val="0"/>
           <c:cat>
             <c:strRef>
               <c:f>Φύλλο8!$A$2:$A$10</c:f>
@@ -683,6 +726,11 @@
               </c:numCache>
             </c:numRef>
           </c:val>
+          <c:extLst>
+            <c:ext xmlns:c16="http://schemas.microsoft.com/office/drawing/2014/chart" uri="{C3380CC4-5D6E-409C-BE32-E72D297353CC}">
+              <c16:uniqueId val="{00000005-C792-4D03-B6F7-63B41D9FA782}"/>
+            </c:ext>
+          </c:extLst>
         </c:ser>
         <c:ser>
           <c:idx val="6"/>
@@ -698,6 +746,7 @@
               </c:strCache>
             </c:strRef>
           </c:tx>
+          <c:invertIfNegative val="0"/>
           <c:cat>
             <c:strRef>
               <c:f>Φύλλο8!$A$2:$A$10</c:f>
@@ -769,7 +818,21 @@
               </c:numCache>
             </c:numRef>
           </c:val>
+          <c:extLst>
+            <c:ext xmlns:c16="http://schemas.microsoft.com/office/drawing/2014/chart" uri="{C3380CC4-5D6E-409C-BE32-E72D297353CC}">
+              <c16:uniqueId val="{00000006-C792-4D03-B6F7-63B41D9FA782}"/>
+            </c:ext>
+          </c:extLst>
         </c:ser>
+        <c:dLbls>
+          <c:showLegendKey val="0"/>
+          <c:showVal val="0"/>
+          <c:showCatName val="0"/>
+          <c:showSerName val="0"/>
+          <c:showPercent val="0"/>
+          <c:showBubbleSize val="0"/>
+        </c:dLbls>
+        <c:gapWidth val="150"/>
         <c:axId val="91682304"/>
         <c:axId val="109082496"/>
       </c:barChart>
@@ -778,24 +841,30 @@
         <c:scaling>
           <c:orientation val="minMax"/>
         </c:scaling>
+        <c:delete val="0"/>
         <c:axPos val="b"/>
+        <c:numFmt formatCode="General" sourceLinked="0"/>
         <c:majorTickMark val="none"/>
+        <c:minorTickMark val="none"/>
         <c:tickLblPos val="nextTo"/>
         <c:crossAx val="109082496"/>
         <c:crosses val="autoZero"/>
         <c:auto val="1"/>
         <c:lblAlgn val="ctr"/>
         <c:lblOffset val="100"/>
+        <c:noMultiLvlLbl val="0"/>
       </c:catAx>
       <c:valAx>
         <c:axId val="109082496"/>
         <c:scaling>
           <c:orientation val="minMax"/>
         </c:scaling>
+        <c:delete val="0"/>
         <c:axPos val="l"/>
         <c:majorGridlines/>
         <c:numFmt formatCode="General" sourceLinked="1"/>
         <c:majorTickMark val="none"/>
+        <c:minorTickMark val="none"/>
         <c:tickLblPos val="nextTo"/>
         <c:crossAx val="91682304"/>
         <c:crosses val="autoZero"/>
@@ -809,8 +878,12 @@
       </c:dTable>
     </c:plotArea>
     <c:plotVisOnly val="1"/>
+    <c:dispBlanksAs val="gap"/>
+    <c:showDLblsOverMax val="0"/>
   </c:chart>
-  <c:externalData r:id="rId1"/>
+  <c:externalData r:id="rId1">
+    <c:autoUpdate val="0"/>
+  </c:externalData>
 </c:chartSpace>
 </file>
 
@@ -897,7 +970,7 @@
             <a:fld id="{FBD14A7B-2A10-4208-93DF-4DD1BC18B496}" type="datetimeFigureOut">
               <a:rPr lang="en-US" smtClean="0"/>
               <a:pPr/>
-              <a:t>27-Feb-19</a:t>
+              <a:t>27-Oct-19</a:t>
             </a:fld>
             <a:endParaRPr lang="en-US" dirty="0"/>
           </a:p>
@@ -1065,7 +1138,7 @@
     </p:spTree>
     <p:extLst>
       <p:ext uri="{BB962C8B-B14F-4D97-AF65-F5344CB8AC3E}">
-        <p14:creationId xmlns="" xmlns:p14="http://schemas.microsoft.com/office/powerpoint/2010/main" val="2698489394"/>
+        <p14:creationId xmlns:p14="http://schemas.microsoft.com/office/powerpoint/2010/main" val="2698489394"/>
       </p:ext>
     </p:extLst>
   </p:cSld>
@@ -1240,7 +1313,7 @@
     </p:spTree>
     <p:extLst>
       <p:ext uri="{BB962C8B-B14F-4D97-AF65-F5344CB8AC3E}">
-        <p14:creationId xmlns="" xmlns:p14="http://schemas.microsoft.com/office/powerpoint/2010/main" val="2028121054"/>
+        <p14:creationId xmlns:p14="http://schemas.microsoft.com/office/powerpoint/2010/main" val="2028121054"/>
       </p:ext>
     </p:extLst>
   </p:cSld>
@@ -1481,7 +1554,7 @@
             <a:fld id="{2569B105-54DE-448A-813A-CB3C6F45D784}" type="datetime2">
               <a:rPr lang="en-US" smtClean="0"/>
               <a:pPr/>
-              <a:t>Wednesday, February 27, 2019</a:t>
+              <a:t>Sunday, October 27, 2019</a:t>
             </a:fld>
             <a:endParaRPr lang="en-US" dirty="0"/>
           </a:p>
@@ -1700,7 +1773,7 @@
             <a:fld id="{E1367EC8-AC3F-48BC-81C8-42642EF12FCE}" type="datetime2">
               <a:rPr lang="en-US" smtClean="0"/>
               <a:pPr/>
-              <a:t>Wednesday, February 27, 2019</a:t>
+              <a:t>Sunday, October 27, 2019</a:t>
             </a:fld>
             <a:endParaRPr lang="en-US" dirty="0"/>
           </a:p>
@@ -1876,7 +1949,7 @@
             <a:fld id="{864F97F5-A884-40BD-AD30-36FC9A8F10D7}" type="datetime2">
               <a:rPr lang="en-US" smtClean="0"/>
               <a:pPr/>
-              <a:t>Wednesday, February 27, 2019</a:t>
+              <a:t>Sunday, October 27, 2019</a:t>
             </a:fld>
             <a:endParaRPr lang="en-US" dirty="0"/>
           </a:p>
@@ -2041,7 +2114,7 @@
             <a:fld id="{D6CB7A37-9946-4CBE-94C1-29B994586F9D}" type="datetime2">
               <a:rPr lang="en-US" smtClean="0"/>
               <a:pPr/>
-              <a:t>Wednesday, February 27, 2019</a:t>
+              <a:t>Sunday, October 27, 2019</a:t>
             </a:fld>
             <a:endParaRPr lang="en-US" dirty="0"/>
           </a:p>
@@ -2327,7 +2400,7 @@
             <a:fld id="{45BF8078-4933-49C0-B5FA-4471A004C0D1}" type="datetime2">
               <a:rPr lang="en-US" smtClean="0"/>
               <a:pPr/>
-              <a:t>Wednesday, February 27, 2019</a:t>
+              <a:t>Sunday, October 27, 2019</a:t>
             </a:fld>
             <a:endParaRPr lang="en-US" dirty="0"/>
           </a:p>
@@ -2653,7 +2726,7 @@
             <a:fld id="{54A4C398-BCEA-4B30-88CD-C328C7A35F9D}" type="datetime2">
               <a:rPr lang="en-US" smtClean="0"/>
               <a:pPr/>
-              <a:t>Wednesday, February 27, 2019</a:t>
+              <a:t>Sunday, October 27, 2019</a:t>
             </a:fld>
             <a:endParaRPr lang="en-US" dirty="0"/>
           </a:p>
@@ -3079,7 +3152,7 @@
             <a:fld id="{675814B0-BD9F-4F5D-B969-3BBB09B914CF}" type="datetime2">
               <a:rPr lang="en-US" smtClean="0"/>
               <a:pPr/>
-              <a:t>Wednesday, February 27, 2019</a:t>
+              <a:t>Sunday, October 27, 2019</a:t>
             </a:fld>
             <a:endParaRPr lang="en-US" dirty="0"/>
           </a:p>
@@ -3254,7 +3327,7 @@
             <a:fld id="{E15C51C6-8C35-4EA9-B8B1-1C02C45059FD}" type="datetime2">
               <a:rPr lang="en-US" smtClean="0"/>
               <a:pPr/>
-              <a:t>Wednesday, February 27, 2019</a:t>
+              <a:t>Sunday, October 27, 2019</a:t>
             </a:fld>
             <a:endParaRPr lang="en-US" dirty="0"/>
           </a:p>
@@ -3346,7 +3419,7 @@
             <a:fld id="{36CCAA32-EFCC-405A-B5DF-F974241FF76C}" type="datetime2">
               <a:rPr lang="en-US" smtClean="0"/>
               <a:pPr/>
-              <a:t>Wednesday, February 27, 2019</a:t>
+              <a:t>Sunday, October 27, 2019</a:t>
             </a:fld>
             <a:endParaRPr lang="en-US" dirty="0"/>
           </a:p>
@@ -3627,7 +3700,7 @@
             <a:fld id="{9B80EC5D-1A6E-4644-993F-2499C0F7FB6B}" type="datetime2">
               <a:rPr lang="en-US" smtClean="0"/>
               <a:pPr/>
-              <a:t>Wednesday, February 27, 2019</a:t>
+              <a:t>Sunday, October 27, 2019</a:t>
             </a:fld>
             <a:endParaRPr lang="en-US" dirty="0"/>
           </a:p>
@@ -3927,7 +4000,7 @@
             <a:fld id="{AFA8D26D-E015-431C-AC1A-B9BA4972D6A3}" type="datetime2">
               <a:rPr lang="en-US" smtClean="0"/>
               <a:pPr/>
-              <a:t>Wednesday, February 27, 2019</a:t>
+              <a:t>Sunday, October 27, 2019</a:t>
             </a:fld>
             <a:endParaRPr lang="en-US" dirty="0"/>
           </a:p>
@@ -4139,7 +4212,7 @@
             <a:fld id="{6F0E11FB-DFBD-42F2-816A-1161D764A7E4}" type="datetime2">
               <a:rPr lang="en-US" smtClean="0"/>
               <a:pPr/>
-              <a:t>Wednesday, February 27, 2019</a:t>
+              <a:t>Sunday, October 27, 2019</a:t>
             </a:fld>
             <a:endParaRPr lang="en-US" dirty="0"/>
           </a:p>
@@ -4710,7 +4783,7 @@
           <a:p>
             <a:pPr algn="ctr"/>
             <a:r>
-              <a:rPr lang="el-GR" sz="4800" dirty="0" smtClean="0">
+              <a:rPr lang="el-GR" sz="4800" dirty="0">
                 <a:solidFill>
                   <a:schemeClr val="bg1">
                     <a:lumMod val="85000"/>
@@ -4771,7 +4844,7 @@
           <a:blip r:embed="rId3" cstate="print">
             <a:extLst>
               <a:ext uri="{28A0092B-C50C-407E-A947-70E740481C1C}">
-                <a14:useLocalDpi xmlns="" xmlns:a14="http://schemas.microsoft.com/office/drawing/2010/main" val="0"/>
+                <a14:useLocalDpi xmlns:a14="http://schemas.microsoft.com/office/drawing/2010/main" val="0"/>
               </a:ext>
             </a:extLst>
           </a:blip>
@@ -4798,7 +4871,7 @@
         <p:spPr>
           <a:xfrm>
             <a:off x="1447800" y="3200400"/>
-            <a:ext cx="6324600" cy="646331"/>
+            <a:ext cx="6324600" cy="369332"/>
           </a:xfrm>
           <a:prstGeom prst="rect">
             <a:avLst/>
@@ -4812,37 +4885,6 @@
           <a:lstStyle/>
           <a:p>
             <a:pPr algn="ctr"/>
-            <a:r>
-              <a:rPr lang="el-GR" dirty="0" smtClean="0"/>
-              <a:t>Βενέτης-</a:t>
-            </a:r>
-            <a:r>
-              <a:rPr lang="el-GR" dirty="0" err="1" smtClean="0"/>
-              <a:t>Παρασκεύας</a:t>
-            </a:r>
-            <a:r>
-              <a:rPr lang="el-GR" dirty="0" smtClean="0"/>
-              <a:t> </a:t>
-            </a:r>
-            <a:r>
-              <a:rPr lang="el-GR" dirty="0" err="1" smtClean="0"/>
-              <a:t>Παλλήκαράς</a:t>
-            </a:r>
-            <a:r>
-              <a:rPr lang="el-GR" dirty="0" smtClean="0"/>
-              <a:t> ΑΜ 56857</a:t>
-            </a:r>
-          </a:p>
-          <a:p>
-            <a:pPr algn="ctr"/>
-            <a:r>
-              <a:rPr lang="el-GR" dirty="0" err="1" smtClean="0"/>
-              <a:t>Γέωργιος</a:t>
-            </a:r>
-            <a:r>
-              <a:rPr lang="el-GR" dirty="0" smtClean="0"/>
-              <a:t> Γουδελής ΑΜ 56843</a:t>
-            </a:r>
             <a:endParaRPr lang="en-US" dirty="0"/>
           </a:p>
         </p:txBody>
@@ -4850,20 +4892,20 @@
     </p:spTree>
     <p:extLst>
       <p:ext uri="{BB962C8B-B14F-4D97-AF65-F5344CB8AC3E}">
-        <p14:creationId xmlns="" xmlns:p14="http://schemas.microsoft.com/office/powerpoint/2010/main" val="3951360377"/>
+        <p14:creationId xmlns:p14="http://schemas.microsoft.com/office/powerpoint/2010/main" val="3951360377"/>
       </p:ext>
     </p:extLst>
   </p:cSld>
   <p:clrMapOvr>
     <a:masterClrMapping/>
   </p:clrMapOvr>
-  <mc:AlternateContent xmlns:mc="http://schemas.openxmlformats.org/markup-compatibility/2006">
-    <mc:Choice xmlns="" xmlns:p14="http://schemas.microsoft.com/office/powerpoint/2010/main" Requires="p14">
+  <mc:AlternateContent xmlns:mc="http://schemas.openxmlformats.org/markup-compatibility/2006" xmlns:p14="http://schemas.microsoft.com/office/powerpoint/2010/main">
+    <mc:Choice Requires="p14">
       <p:transition spd="slow" p14:dur="2000">
         <p14:prism isContent="1"/>
       </p:transition>
     </mc:Choice>
-    <mc:Fallback>
+    <mc:Fallback xmlns="">
       <p:transition spd="slow">
         <p:fade/>
       </p:transition>
@@ -4912,7 +4954,7 @@
             <a:fld id="{D6CB7A37-9946-4CBE-94C1-29B994586F9D}" type="datetime2">
               <a:rPr lang="en-US" smtClean="0"/>
               <a:pPr/>
-              <a:t>Wednesday, February 27, 2019</a:t>
+              <a:t>Sunday, October 27, 2019</a:t>
             </a:fld>
             <a:endParaRPr lang="en-US" dirty="0"/>
           </a:p>
@@ -4964,24 +5006,14 @@
           <a:lstStyle/>
           <a:p>
             <a:r>
-              <a:rPr lang="el-GR" b="1" dirty="0" smtClean="0">
+              <a:rPr lang="el-GR" b="1" dirty="0">
                 <a:solidFill>
                   <a:schemeClr val="bg1">
                     <a:lumMod val="95000"/>
                   </a:schemeClr>
                 </a:solidFill>
               </a:rPr>
-              <a:t>Συνολικά </a:t>
-            </a:r>
-            <a:r>
-              <a:rPr lang="el-GR" b="1" dirty="0" smtClean="0">
-                <a:solidFill>
-                  <a:schemeClr val="bg1">
-                    <a:lumMod val="95000"/>
-                  </a:schemeClr>
-                </a:solidFill>
-              </a:rPr>
-              <a:t>Αποτελέσματα</a:t>
+              <a:t>Συνολικά Αποτελέσματα</a:t>
             </a:r>
             <a:endParaRPr lang="en-US" b="1" dirty="0"/>
           </a:p>
@@ -5137,7 +5169,7 @@
           <p:cNvPr id="8" name="Date Placeholder 3">
             <a:extLst>
               <a:ext uri="{FF2B5EF4-FFF2-40B4-BE49-F238E27FC236}">
-                <a16:creationId xmlns="" xmlns:a16="http://schemas.microsoft.com/office/drawing/2014/main" id="{C4603450-251E-407B-B36E-787D1D333973}"/>
+                <a16:creationId xmlns:a16="http://schemas.microsoft.com/office/drawing/2014/main" id="{C4603450-251E-407B-B36E-787D1D333973}"/>
               </a:ext>
             </a:extLst>
           </p:cNvPr>
@@ -5168,7 +5200,7 @@
     </p:spTree>
     <p:extLst>
       <p:ext uri="{BB962C8B-B14F-4D97-AF65-F5344CB8AC3E}">
-        <p14:creationId xmlns="" xmlns:p14="http://schemas.microsoft.com/office/powerpoint/2010/main" val="2314292605"/>
+        <p14:creationId xmlns:p14="http://schemas.microsoft.com/office/powerpoint/2010/main" val="2314292605"/>
       </p:ext>
     </p:extLst>
   </p:cSld>
@@ -5219,7 +5251,7 @@
           <a:p>
             <a:pPr algn="ctr"/>
             <a:r>
-              <a:rPr lang="el-GR" sz="2000" dirty="0" smtClean="0">
+              <a:rPr lang="el-GR" sz="2000" dirty="0">
                 <a:solidFill>
                   <a:schemeClr val="bg1">
                     <a:lumMod val="95000"/>
@@ -5342,7 +5374,7 @@
           <p:cNvPr id="7" name="TextBox 6">
             <a:extLst>
               <a:ext uri="{FF2B5EF4-FFF2-40B4-BE49-F238E27FC236}">
-                <a16:creationId xmlns="" xmlns:a16="http://schemas.microsoft.com/office/drawing/2014/main" id="{44357BAF-E71A-438E-B3D2-AA22D4CF3C24}"/>
+                <a16:creationId xmlns:a16="http://schemas.microsoft.com/office/drawing/2014/main" id="{44357BAF-E71A-438E-B3D2-AA22D4CF3C24}"/>
               </a:ext>
             </a:extLst>
           </p:cNvPr>
@@ -5373,35 +5405,27 @@
               <a:buChar char="ü"/>
             </a:pPr>
             <a:r>
-              <a:rPr lang="el-GR" sz="3200" dirty="0" smtClean="0"/>
+              <a:rPr lang="el-GR" sz="3200" dirty="0"/>
               <a:t>Υλοποίηση ενός αλγορίθμου αύξησης οξύτητας </a:t>
             </a:r>
             <a:r>
-              <a:rPr lang="en-US" sz="3200" dirty="0" smtClean="0"/>
+              <a:rPr lang="en-US" sz="3200" dirty="0"/>
               <a:t>grayscale </a:t>
             </a:r>
             <a:r>
-              <a:rPr lang="el-GR" sz="3200" dirty="0" smtClean="0"/>
-              <a:t>εικόνων </a:t>
-            </a:r>
-            <a:r>
-              <a:rPr lang="el-GR" sz="3200" dirty="0" smtClean="0"/>
-              <a:t>εφαρμόζοντας την τεχνική </a:t>
-            </a:r>
-            <a:r>
-              <a:rPr lang="en-US" sz="3200" dirty="0" err="1" smtClean="0"/>
+              <a:rPr lang="el-GR" sz="3200" dirty="0"/>
+              <a:t>εικόνων εφαρμόζοντας την τεχνική </a:t>
+            </a:r>
+            <a:r>
+              <a:rPr lang="en-US" sz="3200" dirty="0" err="1"/>
               <a:t>unsharp</a:t>
             </a:r>
             <a:r>
-              <a:rPr lang="en-US" sz="3200" dirty="0" smtClean="0"/>
-              <a:t> </a:t>
-            </a:r>
-            <a:r>
-              <a:rPr lang="en-US" sz="3200" dirty="0" smtClean="0"/>
-              <a:t>masking</a:t>
-            </a:r>
-            <a:r>
-              <a:rPr lang="el-GR" sz="3200" dirty="0" smtClean="0"/>
+              <a:rPr lang="en-US" sz="3200" dirty="0"/>
+              <a:t> masking</a:t>
+            </a:r>
+            <a:r>
+              <a:rPr lang="el-GR" sz="3200" dirty="0"/>
               <a:t>.</a:t>
             </a:r>
             <a:endParaRPr lang="en-US" sz="3200" dirty="0"/>
@@ -5412,12 +5436,8 @@
               <a:buChar char="ü"/>
             </a:pPr>
             <a:r>
-              <a:rPr lang="el-GR" sz="3200" dirty="0" smtClean="0"/>
-              <a:t>Βελτιστοποίηση του αλγορίθμου με διάφορες τεχνικές για την μείωση</a:t>
-            </a:r>
-            <a:r>
-              <a:rPr lang="el-GR" sz="3200" dirty="0" smtClean="0"/>
-              <a:t> του χρόνου εκτέλεσης</a:t>
+              <a:rPr lang="el-GR" sz="3200" dirty="0"/>
+              <a:t>Βελτιστοποίηση του αλγορίθμου με διάφορες τεχνικές για την μείωση του χρόνου εκτέλεσης</a:t>
             </a:r>
             <a:endParaRPr lang="en-US" sz="3200" dirty="0"/>
           </a:p>
@@ -5426,7 +5446,7 @@
     </p:spTree>
     <p:extLst>
       <p:ext uri="{BB962C8B-B14F-4D97-AF65-F5344CB8AC3E}">
-        <p14:creationId xmlns="" xmlns:p14="http://schemas.microsoft.com/office/powerpoint/2010/main" val="2964210079"/>
+        <p14:creationId xmlns:p14="http://schemas.microsoft.com/office/powerpoint/2010/main" val="2964210079"/>
       </p:ext>
     </p:extLst>
   </p:cSld>
@@ -5477,7 +5497,7 @@
           <a:p>
             <a:pPr algn="ctr"/>
             <a:r>
-              <a:rPr lang="el-GR" sz="2000" dirty="0" smtClean="0">
+              <a:rPr lang="el-GR" sz="2000" dirty="0">
                 <a:solidFill>
                   <a:schemeClr val="bg1">
                     <a:lumMod val="95000"/>
@@ -5487,7 +5507,7 @@
               <a:t>1</a:t>
             </a:r>
             <a:r>
-              <a:rPr lang="el-GR" sz="2000" baseline="30000" dirty="0" smtClean="0">
+              <a:rPr lang="el-GR" sz="2000" baseline="30000" dirty="0">
                 <a:solidFill>
                   <a:schemeClr val="bg1">
                     <a:lumMod val="95000"/>
@@ -5497,7 +5517,7 @@
               <a:t>ο</a:t>
             </a:r>
             <a:r>
-              <a:rPr lang="el-GR" sz="2000" dirty="0" smtClean="0">
+              <a:rPr lang="el-GR" sz="2000" dirty="0">
                 <a:solidFill>
                   <a:schemeClr val="bg1">
                     <a:lumMod val="95000"/>
@@ -5620,7 +5640,7 @@
           <p:cNvPr id="5" name="TextBox 4">
             <a:extLst>
               <a:ext uri="{FF2B5EF4-FFF2-40B4-BE49-F238E27FC236}">
-                <a16:creationId xmlns="" xmlns:a16="http://schemas.microsoft.com/office/drawing/2014/main" id="{89FB0D60-8957-4960-B160-6B028F83A3A1}"/>
+                <a16:creationId xmlns:a16="http://schemas.microsoft.com/office/drawing/2014/main" id="{89FB0D60-8957-4960-B160-6B028F83A3A1}"/>
               </a:ext>
             </a:extLst>
           </p:cNvPr>
@@ -5645,14 +5665,13 @@
           <a:p>
             <a:pPr algn="ctr"/>
             <a:r>
-              <a:rPr lang="el-GR" sz="3200" dirty="0" smtClean="0"/>
+              <a:rPr lang="el-GR" sz="3200" dirty="0"/>
               <a:t>Βελτιστοποίηση των </a:t>
             </a:r>
             <a:r>
-              <a:rPr lang="en-US" sz="3200" dirty="0" smtClean="0"/>
+              <a:rPr lang="en-US" sz="3200" dirty="0"/>
               <a:t>for loops</a:t>
             </a:r>
-            <a:endParaRPr lang="en-US" sz="3200" dirty="0"/>
           </a:p>
         </p:txBody>
       </p:sp>
@@ -5661,7 +5680,7 @@
           <p:cNvPr id="7" name="TextBox 6">
             <a:extLst>
               <a:ext uri="{FF2B5EF4-FFF2-40B4-BE49-F238E27FC236}">
-                <a16:creationId xmlns="" xmlns:a16="http://schemas.microsoft.com/office/drawing/2014/main" id="{44357BAF-E71A-438E-B3D2-AA22D4CF3C24}"/>
+                <a16:creationId xmlns:a16="http://schemas.microsoft.com/office/drawing/2014/main" id="{44357BAF-E71A-438E-B3D2-AA22D4CF3C24}"/>
               </a:ext>
             </a:extLst>
           </p:cNvPr>
@@ -5692,22 +5711,22 @@
               <a:buChar char="ü"/>
             </a:pPr>
             <a:r>
-              <a:rPr lang="en-US" sz="3200" dirty="0" smtClean="0"/>
+              <a:rPr lang="en-US" sz="3200" dirty="0"/>
               <a:t>Loop Fusion </a:t>
             </a:r>
             <a:r>
-              <a:rPr lang="el-GR" sz="3200" dirty="0" smtClean="0"/>
+              <a:rPr lang="el-GR" sz="3200" dirty="0"/>
               <a:t>(</a:t>
             </a:r>
             <a:r>
-              <a:rPr lang="en-US" sz="3200" dirty="0" smtClean="0"/>
+              <a:rPr lang="en-US" sz="3200" dirty="0"/>
               <a:t>optimize</a:t>
             </a:r>
             <a:r>
-              <a:rPr lang="el-GR" sz="3200" dirty="0" smtClean="0"/>
+              <a:rPr lang="el-GR" sz="3200" dirty="0"/>
               <a:t>_0,1)</a:t>
             </a:r>
-            <a:endParaRPr lang="en-US" sz="3200" dirty="0" smtClean="0"/>
+            <a:endParaRPr lang="en-US" sz="3200" dirty="0"/>
           </a:p>
           <a:p>
             <a:pPr marL="285750" indent="-285750">
@@ -5722,31 +5741,23 @@
               <a:buChar char="ü"/>
             </a:pPr>
             <a:r>
-              <a:rPr lang="en-US" sz="3200" dirty="0" smtClean="0"/>
-              <a:t>Loop Unroll (</a:t>
-            </a:r>
-            <a:r>
-              <a:rPr lang="en-US" sz="3200" dirty="0" smtClean="0"/>
-              <a:t>Optimize </a:t>
-            </a:r>
-            <a:r>
-              <a:rPr lang="en-US" sz="3200" dirty="0" smtClean="0"/>
-              <a:t>3_x, </a:t>
-            </a:r>
-            <a:r>
-              <a:rPr lang="el-GR" sz="3200" dirty="0" smtClean="0"/>
+              <a:rPr lang="en-US" sz="3200" dirty="0"/>
+              <a:t>Loop Unroll (Optimize 3_x, </a:t>
+            </a:r>
+            <a:r>
+              <a:rPr lang="el-GR" sz="3200" dirty="0"/>
               <a:t>όπου </a:t>
             </a:r>
             <a:r>
-              <a:rPr lang="en-US" sz="3200" dirty="0" smtClean="0"/>
+              <a:rPr lang="en-US" sz="3200" dirty="0"/>
               <a:t>x</a:t>
             </a:r>
             <a:r>
-              <a:rPr lang="el-GR" sz="3200" dirty="0" smtClean="0"/>
+              <a:rPr lang="el-GR" sz="3200" dirty="0"/>
               <a:t> ο αριθμός του </a:t>
             </a:r>
             <a:r>
-              <a:rPr lang="en-US" sz="3200" dirty="0" smtClean="0"/>
+              <a:rPr lang="en-US" sz="3200" dirty="0"/>
               <a:t>unroll)</a:t>
             </a:r>
           </a:p>
@@ -5763,29 +5774,24 @@
               <a:buChar char="ü"/>
             </a:pPr>
             <a:r>
-              <a:rPr lang="en-US" sz="3200" dirty="0" smtClean="0"/>
-              <a:t>Loop </a:t>
-            </a:r>
-            <a:r>
-              <a:rPr lang="en-US" sz="3200" dirty="0" smtClean="0"/>
-              <a:t>Interchange (</a:t>
-            </a:r>
-            <a:r>
-              <a:rPr lang="el-GR" sz="3200" dirty="0" smtClean="0"/>
+              <a:rPr lang="en-US" sz="3200" dirty="0"/>
+              <a:t>Loop Interchange (</a:t>
+            </a:r>
+            <a:r>
+              <a:rPr lang="el-GR" sz="3200" dirty="0"/>
               <a:t>σε όλους του κώδικες φροντίζαμε να διαβάζουμε τις στήλες της γραμμής και μετά να αλλάζουμε τη γραμμή</a:t>
             </a:r>
             <a:r>
-              <a:rPr lang="en-US" sz="3200" dirty="0" smtClean="0"/>
+              <a:rPr lang="en-US" sz="3200" dirty="0"/>
               <a:t>)</a:t>
             </a:r>
-            <a:endParaRPr lang="en-US" sz="3200" dirty="0"/>
           </a:p>
         </p:txBody>
       </p:sp>
     </p:spTree>
     <p:extLst>
       <p:ext uri="{BB962C8B-B14F-4D97-AF65-F5344CB8AC3E}">
-        <p14:creationId xmlns="" xmlns:p14="http://schemas.microsoft.com/office/powerpoint/2010/main" val="4217250414"/>
+        <p14:creationId xmlns:p14="http://schemas.microsoft.com/office/powerpoint/2010/main" val="4217250414"/>
       </p:ext>
     </p:extLst>
   </p:cSld>
@@ -5835,7 +5841,7 @@
             <a:fld id="{D6CB7A37-9946-4CBE-94C1-29B994586F9D}" type="datetime2">
               <a:rPr lang="en-US" smtClean="0"/>
               <a:pPr/>
-              <a:t>Wednesday, February 27, 2019</a:t>
+              <a:t>Sunday, October 27, 2019</a:t>
             </a:fld>
             <a:endParaRPr lang="en-US" dirty="0"/>
           </a:p>
@@ -5887,7 +5893,7 @@
           <a:lstStyle/>
           <a:p>
             <a:r>
-              <a:rPr lang="el-GR" b="1" dirty="0" smtClean="0">
+              <a:rPr lang="el-GR" b="1" dirty="0">
                 <a:solidFill>
                   <a:schemeClr val="bg1">
                     <a:lumMod val="95000"/>
@@ -5897,7 +5903,7 @@
               <a:t>1</a:t>
             </a:r>
             <a:r>
-              <a:rPr lang="el-GR" b="1" baseline="30000" dirty="0" smtClean="0">
+              <a:rPr lang="el-GR" b="1" baseline="30000" dirty="0">
                 <a:solidFill>
                   <a:schemeClr val="bg1">
                     <a:lumMod val="95000"/>
@@ -5907,7 +5913,7 @@
               <a:t>ο</a:t>
             </a:r>
             <a:r>
-              <a:rPr lang="el-GR" b="1" dirty="0" smtClean="0">
+              <a:rPr lang="el-GR" b="1" dirty="0">
                 <a:solidFill>
                   <a:schemeClr val="bg1">
                     <a:lumMod val="95000"/>
@@ -5944,7 +5950,7 @@
           <a:p>
             <a:pPr algn="ctr"/>
             <a:r>
-              <a:rPr lang="el-GR" sz="2800" dirty="0" smtClean="0"/>
+              <a:rPr lang="el-GR" sz="2800" dirty="0"/>
               <a:t>Λοιπές Βελτιώσεις</a:t>
             </a:r>
             <a:endParaRPr lang="en-US" sz="2800" dirty="0"/>
@@ -5956,7 +5962,7 @@
           <p:cNvPr id="10" name="TextBox 6">
             <a:extLst>
               <a:ext uri="{FF2B5EF4-FFF2-40B4-BE49-F238E27FC236}">
-                <a16:creationId xmlns="" xmlns:a16="http://schemas.microsoft.com/office/drawing/2014/main" id="{44357BAF-E71A-438E-B3D2-AA22D4CF3C24}"/>
+                <a16:creationId xmlns:a16="http://schemas.microsoft.com/office/drawing/2014/main" id="{44357BAF-E71A-438E-B3D2-AA22D4CF3C24}"/>
               </a:ext>
             </a:extLst>
           </p:cNvPr>
@@ -5984,10 +5990,10 @@
               <a:buChar char="ü"/>
             </a:pPr>
             <a:r>
-              <a:rPr lang="el-GR" sz="2800" dirty="0" smtClean="0"/>
+              <a:rPr lang="el-GR" sz="2800" dirty="0"/>
               <a:t>Αποφύγαμε την χρήση ετοίμων συναρτήσεων και τις υλοποιήσαμε χειροκίνητα.</a:t>
             </a:r>
-            <a:endParaRPr lang="en-US" sz="2800" dirty="0" smtClean="0"/>
+            <a:endParaRPr lang="en-US" sz="2800" dirty="0"/>
           </a:p>
           <a:p>
             <a:pPr marL="285750" indent="-285750" algn="just">
@@ -6002,34 +6008,34 @@
               <a:buChar char="ü"/>
             </a:pPr>
             <a:r>
-              <a:rPr lang="el-GR" sz="2800" dirty="0" smtClean="0"/>
+              <a:rPr lang="el-GR" sz="2800" dirty="0"/>
               <a:t>Προτιμήσαμε την χρήση προσωρινών μεταβλητών </a:t>
             </a:r>
             <a:r>
-              <a:rPr lang="en-US" sz="2800" dirty="0" smtClean="0"/>
+              <a:rPr lang="en-US" sz="2800" dirty="0"/>
               <a:t>temp </a:t>
             </a:r>
             <a:r>
-              <a:rPr lang="el-GR" sz="2800" dirty="0" smtClean="0"/>
+              <a:rPr lang="el-GR" sz="2800" dirty="0"/>
               <a:t>και τη χρήση </a:t>
             </a:r>
             <a:r>
-              <a:rPr lang="en-US" sz="2800" dirty="0" smtClean="0"/>
+              <a:rPr lang="en-US" sz="2800" dirty="0"/>
               <a:t>local </a:t>
             </a:r>
             <a:r>
-              <a:rPr lang="el-GR" sz="2800" dirty="0" smtClean="0"/>
+              <a:rPr lang="el-GR" sz="2800" dirty="0"/>
               <a:t>μεταβλητών έναντι </a:t>
             </a:r>
             <a:r>
-              <a:rPr lang="en-US" sz="2800" dirty="0" smtClean="0"/>
+              <a:rPr lang="en-US" sz="2800" dirty="0"/>
               <a:t>global </a:t>
             </a:r>
             <a:r>
-              <a:rPr lang="el-GR" sz="2800" dirty="0" smtClean="0"/>
+              <a:rPr lang="el-GR" sz="2800" dirty="0"/>
               <a:t>ώστε να μην δεσμεύουμε άσκοπο χώρο στη μνήμη.</a:t>
             </a:r>
-            <a:endParaRPr lang="en-US" sz="2800" dirty="0" smtClean="0"/>
+            <a:endParaRPr lang="en-US" sz="2800" dirty="0"/>
           </a:p>
           <a:p>
             <a:pPr marL="285750" indent="-285750" algn="just">
@@ -6044,34 +6050,29 @@
               <a:buChar char="ü"/>
             </a:pPr>
             <a:r>
-              <a:rPr lang="el-GR" sz="2800" dirty="0" smtClean="0"/>
-              <a:t>Προτιμήσαμε την χρήση της εντολής</a:t>
-            </a:r>
-            <a:r>
-              <a:rPr lang="el-GR" sz="2800" dirty="0" smtClean="0"/>
-              <a:t> </a:t>
-            </a:r>
-            <a:r>
-              <a:rPr lang="en-US" sz="2800" dirty="0" err="1" smtClean="0"/>
+              <a:rPr lang="el-GR" sz="2800" dirty="0"/>
+              <a:t>Προτιμήσαμε την χρήση της εντολής </a:t>
+            </a:r>
+            <a:r>
+              <a:rPr lang="en-US" sz="2800" dirty="0" err="1"/>
               <a:t>i</a:t>
             </a:r>
             <a:r>
-              <a:rPr lang="en-US" sz="2800" dirty="0" smtClean="0"/>
+              <a:rPr lang="en-US" sz="2800" dirty="0"/>
               <a:t>++ </a:t>
             </a:r>
             <a:r>
-              <a:rPr lang="el-GR" sz="2800" dirty="0" smtClean="0"/>
+              <a:rPr lang="el-GR" sz="2800" dirty="0"/>
               <a:t>εντολής της </a:t>
             </a:r>
             <a:r>
-              <a:rPr lang="en-US" sz="2800" dirty="0" err="1" smtClean="0"/>
+              <a:rPr lang="en-US" sz="2800" dirty="0" err="1"/>
               <a:t>i</a:t>
             </a:r>
             <a:r>
-              <a:rPr lang="en-US" sz="2800" dirty="0" smtClean="0"/>
+              <a:rPr lang="en-US" sz="2800" dirty="0"/>
               <a:t>=i+1</a:t>
             </a:r>
-            <a:endParaRPr lang="en-US" sz="2800" dirty="0"/>
           </a:p>
         </p:txBody>
       </p:sp>
@@ -6123,7 +6124,7 @@
             <a:fld id="{D6CB7A37-9946-4CBE-94C1-29B994586F9D}" type="datetime2">
               <a:rPr lang="en-US" smtClean="0"/>
               <a:pPr/>
-              <a:t>Wednesday, February 27, 2019</a:t>
+              <a:t>Sunday, October 27, 2019</a:t>
             </a:fld>
             <a:endParaRPr lang="en-US" dirty="0"/>
           </a:p>
@@ -6175,7 +6176,7 @@
           <a:lstStyle/>
           <a:p>
             <a:r>
-              <a:rPr lang="el-GR" b="1" dirty="0" smtClean="0">
+              <a:rPr lang="el-GR" b="1" dirty="0">
                 <a:solidFill>
                   <a:schemeClr val="bg1">
                     <a:lumMod val="95000"/>
@@ -6185,7 +6186,7 @@
               <a:t>2</a:t>
             </a:r>
             <a:r>
-              <a:rPr lang="el-GR" b="1" baseline="30000" dirty="0" smtClean="0">
+              <a:rPr lang="el-GR" b="1" baseline="30000" dirty="0">
                 <a:solidFill>
                   <a:schemeClr val="bg1">
                     <a:lumMod val="95000"/>
@@ -6195,24 +6196,14 @@
               <a:t>ο</a:t>
             </a:r>
             <a:r>
-              <a:rPr lang="el-GR" b="1" dirty="0" smtClean="0">
+              <a:rPr lang="el-GR" b="1" dirty="0">
                 <a:solidFill>
                   <a:schemeClr val="bg1">
                     <a:lumMod val="95000"/>
                   </a:schemeClr>
                 </a:solidFill>
               </a:rPr>
-              <a:t> </a:t>
-            </a:r>
-            <a:r>
-              <a:rPr lang="el-GR" b="1" dirty="0" smtClean="0">
-                <a:solidFill>
-                  <a:schemeClr val="bg1">
-                    <a:lumMod val="95000"/>
-                  </a:schemeClr>
-                </a:solidFill>
-              </a:rPr>
-              <a:t>Κομμάτι της Εργασίας</a:t>
+              <a:t> Κομμάτι της Εργασίας</a:t>
             </a:r>
             <a:endParaRPr lang="en-US" b="1" dirty="0"/>
           </a:p>
@@ -6242,7 +6233,7 @@
           <a:p>
             <a:pPr algn="ctr"/>
             <a:r>
-              <a:rPr lang="el-GR" sz="2800" dirty="0" smtClean="0"/>
+              <a:rPr lang="el-GR" sz="2800" dirty="0"/>
               <a:t>Εισαγωγή συστήματος μνήμης τριών επίπεδων </a:t>
             </a:r>
             <a:endParaRPr lang="en-US" sz="2800" dirty="0"/>
@@ -6254,7 +6245,7 @@
           <p:cNvPr id="10" name="TextBox 6">
             <a:extLst>
               <a:ext uri="{FF2B5EF4-FFF2-40B4-BE49-F238E27FC236}">
-                <a16:creationId xmlns="" xmlns:a16="http://schemas.microsoft.com/office/drawing/2014/main" id="{44357BAF-E71A-438E-B3D2-AA22D4CF3C24}"/>
+                <a16:creationId xmlns:a16="http://schemas.microsoft.com/office/drawing/2014/main" id="{44357BAF-E71A-438E-B3D2-AA22D4CF3C24}"/>
               </a:ext>
             </a:extLst>
           </p:cNvPr>
@@ -6282,11 +6273,11 @@
               <a:buChar char="ü"/>
             </a:pPr>
             <a:r>
-              <a:rPr lang="el-GR" sz="2800" dirty="0" smtClean="0"/>
+              <a:rPr lang="el-GR" sz="2800" dirty="0"/>
               <a:t> </a:t>
             </a:r>
             <a:r>
-              <a:rPr lang="en-US" sz="2800" dirty="0" smtClean="0"/>
+              <a:rPr lang="en-US" sz="2800" dirty="0"/>
               <a:t>RAM</a:t>
             </a:r>
           </a:p>
@@ -6295,7 +6286,7 @@
               <a:buFont typeface="Wingdings" pitchFamily="2" charset="2"/>
               <a:buChar char="ü"/>
             </a:pPr>
-            <a:endParaRPr lang="en-US" sz="2800" dirty="0" smtClean="0"/>
+            <a:endParaRPr lang="en-US" sz="2800" dirty="0"/>
           </a:p>
           <a:p>
             <a:pPr lvl="0" algn="just">
@@ -6303,7 +6294,7 @@
               <a:buChar char="ü"/>
             </a:pPr>
             <a:r>
-              <a:rPr lang="en-US" sz="2800" dirty="0" smtClean="0"/>
+              <a:rPr lang="en-US" sz="2800" dirty="0"/>
               <a:t>Cache</a:t>
             </a:r>
           </a:p>
@@ -6312,7 +6303,7 @@
               <a:buFont typeface="Wingdings" pitchFamily="2" charset="2"/>
               <a:buChar char="ü"/>
             </a:pPr>
-            <a:endParaRPr lang="en-US" sz="2800" dirty="0" smtClean="0"/>
+            <a:endParaRPr lang="en-US" sz="2800" dirty="0"/>
           </a:p>
           <a:p>
             <a:pPr lvl="0" algn="just">
@@ -6320,10 +6311,9 @@
               <a:buChar char="ü"/>
             </a:pPr>
             <a:r>
-              <a:rPr lang="en-US" sz="2800" dirty="0" smtClean="0"/>
+              <a:rPr lang="en-US" sz="2800" dirty="0"/>
               <a:t>Registers</a:t>
             </a:r>
-            <a:endParaRPr lang="en-US" sz="2800" dirty="0"/>
           </a:p>
         </p:txBody>
       </p:sp>
@@ -6375,7 +6365,7 @@
             <a:fld id="{D6CB7A37-9946-4CBE-94C1-29B994586F9D}" type="datetime2">
               <a:rPr lang="en-US" smtClean="0"/>
               <a:pPr/>
-              <a:t>Wednesday, February 27, 2019</a:t>
+              <a:t>Sunday, October 27, 2019</a:t>
             </a:fld>
             <a:endParaRPr lang="en-US" dirty="0"/>
           </a:p>
@@ -6427,7 +6417,7 @@
           <a:lstStyle/>
           <a:p>
             <a:r>
-              <a:rPr lang="el-GR" b="1" dirty="0" smtClean="0">
+              <a:rPr lang="el-GR" b="1" dirty="0">
                 <a:solidFill>
                   <a:schemeClr val="bg1">
                     <a:lumMod val="95000"/>
@@ -6437,7 +6427,7 @@
               <a:t>2</a:t>
             </a:r>
             <a:r>
-              <a:rPr lang="el-GR" b="1" baseline="30000" dirty="0" smtClean="0">
+              <a:rPr lang="el-GR" b="1" baseline="30000" dirty="0">
                 <a:solidFill>
                   <a:schemeClr val="bg1">
                     <a:lumMod val="95000"/>
@@ -6447,24 +6437,14 @@
               <a:t>ο</a:t>
             </a:r>
             <a:r>
-              <a:rPr lang="el-GR" b="1" dirty="0" smtClean="0">
+              <a:rPr lang="el-GR" b="1" dirty="0">
                 <a:solidFill>
                   <a:schemeClr val="bg1">
                     <a:lumMod val="95000"/>
                   </a:schemeClr>
                 </a:solidFill>
               </a:rPr>
-              <a:t> </a:t>
-            </a:r>
-            <a:r>
-              <a:rPr lang="el-GR" b="1" dirty="0" smtClean="0">
-                <a:solidFill>
-                  <a:schemeClr val="bg1">
-                    <a:lumMod val="95000"/>
-                  </a:schemeClr>
-                </a:solidFill>
-              </a:rPr>
-              <a:t>Κομμάτι της Εργασίας</a:t>
+              <a:t> Κομμάτι της Εργασίας</a:t>
             </a:r>
             <a:endParaRPr lang="en-US" b="1" dirty="0"/>
           </a:p>
@@ -6494,14 +6474,13 @@
           <a:p>
             <a:pPr algn="ctr"/>
             <a:r>
-              <a:rPr lang="el-GR" sz="2800" dirty="0" smtClean="0"/>
+              <a:rPr lang="el-GR" sz="2800" dirty="0"/>
               <a:t>Θεωρήσεις σχετικά με το μέγεθος της </a:t>
             </a:r>
             <a:r>
-              <a:rPr lang="en-US" sz="2800" dirty="0" smtClean="0"/>
+              <a:rPr lang="en-US" sz="2800" dirty="0"/>
               <a:t>cache</a:t>
             </a:r>
-            <a:endParaRPr lang="en-US" sz="2800" dirty="0"/>
           </a:p>
         </p:txBody>
       </p:sp>
@@ -6510,7 +6489,7 @@
           <p:cNvPr id="10" name="TextBox 6">
             <a:extLst>
               <a:ext uri="{FF2B5EF4-FFF2-40B4-BE49-F238E27FC236}">
-                <a16:creationId xmlns="" xmlns:a16="http://schemas.microsoft.com/office/drawing/2014/main" id="{44357BAF-E71A-438E-B3D2-AA22D4CF3C24}"/>
+                <a16:creationId xmlns:a16="http://schemas.microsoft.com/office/drawing/2014/main" id="{44357BAF-E71A-438E-B3D2-AA22D4CF3C24}"/>
               </a:ext>
             </a:extLst>
           </p:cNvPr>
@@ -6538,33 +6517,28 @@
               <a:buChar char="ü"/>
             </a:pPr>
             <a:r>
-              <a:rPr lang="el-GR" sz="2800" dirty="0" smtClean="0"/>
+              <a:rPr lang="el-GR" sz="2800" dirty="0"/>
+              <a:t> Ιδανική περίπτωση, όπου όλα τα δεδομένα βρίσκονται </a:t>
+            </a:r>
+            <a:r>
+              <a:rPr lang="en-US" sz="2800" dirty="0"/>
               <a:t> </a:t>
             </a:r>
             <a:r>
-              <a:rPr lang="el-GR" sz="2800" dirty="0" smtClean="0"/>
-              <a:t>Ιδανική περίπτωση, όπου όλα τα δεδομένα βρίσκονται </a:t>
-            </a:r>
-            <a:r>
-              <a:rPr lang="en-US" sz="2800" dirty="0" smtClean="0"/>
-              <a:t> </a:t>
-            </a:r>
-            <a:r>
-              <a:rPr lang="el-GR" sz="2800" dirty="0" smtClean="0"/>
+              <a:rPr lang="el-GR" sz="2800" dirty="0"/>
               <a:t>στη </a:t>
             </a:r>
             <a:r>
-              <a:rPr lang="en-US" sz="2800" dirty="0" smtClean="0"/>
+              <a:rPr lang="en-US" sz="2800" dirty="0"/>
               <a:t>cache</a:t>
             </a:r>
-            <a:endParaRPr lang="en-US" sz="2800" dirty="0" smtClean="0"/>
           </a:p>
           <a:p>
             <a:pPr lvl="0" algn="just">
               <a:buFont typeface="Wingdings" pitchFamily="2" charset="2"/>
               <a:buChar char="ü"/>
             </a:pPr>
-            <a:endParaRPr lang="en-US" sz="2800" dirty="0" smtClean="0"/>
+            <a:endParaRPr lang="en-US" sz="2800" dirty="0"/>
           </a:p>
           <a:p>
             <a:pPr lvl="0" algn="just">
@@ -6572,11 +6546,11 @@
               <a:buChar char="ü"/>
             </a:pPr>
             <a:r>
-              <a:rPr lang="el-GR" sz="2800" dirty="0" smtClean="0"/>
+              <a:rPr lang="el-GR" sz="2800" dirty="0"/>
               <a:t>Μικρό μέγεθος με κακή πολίτικη αντικατάστασης(</a:t>
             </a:r>
             <a:r>
-              <a:rPr lang="en-US" sz="2800" dirty="0" smtClean="0"/>
+              <a:rPr lang="en-US" sz="2800" dirty="0"/>
               <a:t>worst case)</a:t>
             </a:r>
           </a:p>
@@ -6585,7 +6559,7 @@
               <a:buFont typeface="Wingdings" pitchFamily="2" charset="2"/>
               <a:buChar char="ü"/>
             </a:pPr>
-            <a:endParaRPr lang="en-US" sz="2800" dirty="0" smtClean="0"/>
+            <a:endParaRPr lang="en-US" sz="2800" dirty="0"/>
           </a:p>
           <a:p>
             <a:pPr lvl="0" algn="just">
@@ -6593,15 +6567,15 @@
               <a:buChar char="ü"/>
             </a:pPr>
             <a:r>
-              <a:rPr lang="el-GR" sz="2800" dirty="0" smtClean="0"/>
+              <a:rPr lang="el-GR" sz="2800" dirty="0"/>
               <a:t>Μεσαίο μέγεθος </a:t>
             </a:r>
             <a:r>
-              <a:rPr lang="en-US" sz="2800" dirty="0" smtClean="0"/>
+              <a:rPr lang="en-US" sz="2800" dirty="0"/>
               <a:t>cache </a:t>
             </a:r>
             <a:r>
-              <a:rPr lang="el-GR" sz="2800" dirty="0" smtClean="0"/>
+              <a:rPr lang="el-GR" sz="2800" dirty="0"/>
               <a:t>και πιο ρεαλιστικό σενάριο </a:t>
             </a:r>
           </a:p>
@@ -6610,14 +6584,14 @@
               <a:buFont typeface="Wingdings" pitchFamily="2" charset="2"/>
               <a:buChar char="ü"/>
             </a:pPr>
-            <a:endParaRPr lang="en-US" sz="2800" dirty="0" smtClean="0"/>
+            <a:endParaRPr lang="en-US" sz="2800" dirty="0"/>
           </a:p>
           <a:p>
             <a:pPr lvl="0" algn="just">
               <a:buFont typeface="Wingdings" pitchFamily="2" charset="2"/>
               <a:buChar char="ü"/>
             </a:pPr>
-            <a:endParaRPr lang="en-US" sz="2800" dirty="0" smtClean="0"/>
+            <a:endParaRPr lang="en-US" sz="2800" dirty="0"/>
           </a:p>
           <a:p>
             <a:pPr lvl="0" algn="just">
@@ -6676,7 +6650,7 @@
             <a:fld id="{D6CB7A37-9946-4CBE-94C1-29B994586F9D}" type="datetime2">
               <a:rPr lang="en-US" smtClean="0"/>
               <a:pPr/>
-              <a:t>Wednesday, February 27, 2019</a:t>
+              <a:t>Sunday, October 27, 2019</a:t>
             </a:fld>
             <a:endParaRPr lang="en-US" dirty="0"/>
           </a:p>
@@ -6728,7 +6702,7 @@
           <a:lstStyle/>
           <a:p>
             <a:r>
-              <a:rPr lang="el-GR" b="1" dirty="0" smtClean="0">
+              <a:rPr lang="el-GR" b="1" dirty="0">
                 <a:solidFill>
                   <a:schemeClr val="bg1">
                     <a:lumMod val="95000"/>
@@ -6738,7 +6712,7 @@
               <a:t>2</a:t>
             </a:r>
             <a:r>
-              <a:rPr lang="el-GR" b="1" baseline="30000" dirty="0" smtClean="0">
+              <a:rPr lang="el-GR" b="1" baseline="30000" dirty="0">
                 <a:solidFill>
                   <a:schemeClr val="bg1">
                     <a:lumMod val="95000"/>
@@ -6748,24 +6722,14 @@
               <a:t>ο</a:t>
             </a:r>
             <a:r>
-              <a:rPr lang="el-GR" b="1" dirty="0" smtClean="0">
+              <a:rPr lang="el-GR" b="1" dirty="0">
                 <a:solidFill>
                   <a:schemeClr val="bg1">
                     <a:lumMod val="95000"/>
                   </a:schemeClr>
                 </a:solidFill>
               </a:rPr>
-              <a:t> </a:t>
-            </a:r>
-            <a:r>
-              <a:rPr lang="el-GR" b="1" dirty="0" smtClean="0">
-                <a:solidFill>
-                  <a:schemeClr val="bg1">
-                    <a:lumMod val="95000"/>
-                  </a:schemeClr>
-                </a:solidFill>
-              </a:rPr>
-              <a:t>Κομμάτι της Εργασίας</a:t>
+              <a:t> Κομμάτι της Εργασίας</a:t>
             </a:r>
             <a:endParaRPr lang="en-US" b="1" dirty="0"/>
           </a:p>
@@ -6776,7 +6740,7 @@
           <p:cNvPr id="10" name="TextBox 6">
             <a:extLst>
               <a:ext uri="{FF2B5EF4-FFF2-40B4-BE49-F238E27FC236}">
-                <a16:creationId xmlns="" xmlns:a16="http://schemas.microsoft.com/office/drawing/2014/main" id="{44357BAF-E71A-438E-B3D2-AA22D4CF3C24}"/>
+                <a16:creationId xmlns:a16="http://schemas.microsoft.com/office/drawing/2014/main" id="{44357BAF-E71A-438E-B3D2-AA22D4CF3C24}"/>
               </a:ext>
             </a:extLst>
           </p:cNvPr>
@@ -6804,55 +6768,39 @@
               <a:buChar char="ü"/>
             </a:pPr>
             <a:r>
-              <a:rPr lang="el-GR" sz="2600" dirty="0" smtClean="0"/>
+              <a:rPr lang="el-GR" sz="2600" dirty="0"/>
               <a:t>Προσομοιώνουμε την επικοινωνία</a:t>
             </a:r>
             <a:r>
-              <a:rPr lang="en-US" sz="2600" dirty="0" smtClean="0"/>
+              <a:rPr lang="en-US" sz="2600" dirty="0"/>
               <a:t>(</a:t>
             </a:r>
             <a:r>
-              <a:rPr lang="el-GR" sz="2600" dirty="0" smtClean="0"/>
+              <a:rPr lang="el-GR" sz="2600" dirty="0"/>
               <a:t>κύκλους) της </a:t>
             </a:r>
             <a:r>
-              <a:rPr lang="en-US" sz="2600" dirty="0" smtClean="0"/>
+              <a:rPr lang="en-US" sz="2600" dirty="0"/>
               <a:t>cache</a:t>
             </a:r>
             <a:r>
-              <a:rPr lang="el-GR" sz="2600" dirty="0" smtClean="0"/>
-              <a:t> με την </a:t>
-            </a:r>
-            <a:r>
-              <a:rPr lang="el-GR" sz="2600" dirty="0" smtClean="0"/>
-              <a:t> </a:t>
-            </a:r>
-            <a:r>
-              <a:rPr lang="en-US" sz="2600" dirty="0" smtClean="0"/>
+              <a:rPr lang="el-GR" sz="2600" dirty="0"/>
+              <a:t> με την  </a:t>
+            </a:r>
+            <a:r>
+              <a:rPr lang="en-US" sz="2600" dirty="0"/>
               <a:t>Ram, </a:t>
             </a:r>
             <a:r>
-              <a:rPr lang="el-GR" sz="2600" dirty="0" smtClean="0"/>
-              <a:t>κ</a:t>
-            </a:r>
-            <a:r>
-              <a:rPr lang="el-GR" sz="2600" dirty="0" smtClean="0"/>
-              <a:t>ά</a:t>
-            </a:r>
-            <a:r>
-              <a:rPr lang="el-GR" sz="2600" dirty="0" smtClean="0"/>
-              <a:t>νοντα</a:t>
-            </a:r>
-            <a:r>
-              <a:rPr lang="el-GR" sz="2600" dirty="0" smtClean="0"/>
-              <a:t>ς εγγραφές στην </a:t>
-            </a:r>
-            <a:r>
-              <a:rPr lang="en-US" sz="2600" dirty="0" smtClean="0"/>
+              <a:rPr lang="el-GR" sz="2600" dirty="0"/>
+              <a:t>κάνοντας εγγραφές στην </a:t>
+            </a:r>
+            <a:r>
+              <a:rPr lang="en-US" sz="2600" dirty="0"/>
               <a:t>Ram </a:t>
             </a:r>
             <a:r>
-              <a:rPr lang="el-GR" sz="2600" dirty="0" smtClean="0"/>
+              <a:rPr lang="el-GR" sz="2600" dirty="0"/>
               <a:t> </a:t>
             </a:r>
           </a:p>
@@ -6861,7 +6809,7 @@
               <a:buFont typeface="Wingdings" pitchFamily="2" charset="2"/>
               <a:buChar char="ü"/>
             </a:pPr>
-            <a:endParaRPr lang="el-GR" sz="2600" dirty="0" smtClean="0"/>
+            <a:endParaRPr lang="el-GR" sz="2600" dirty="0"/>
           </a:p>
           <a:p>
             <a:pPr lvl="1" algn="just">
@@ -6869,15 +6817,15 @@
               <a:buChar char="ü"/>
             </a:pPr>
             <a:r>
-              <a:rPr lang="el-GR" sz="2600" dirty="0" smtClean="0"/>
+              <a:rPr lang="el-GR" sz="2600" dirty="0"/>
               <a:t>Στην περίπτωση της μικρής </a:t>
             </a:r>
             <a:r>
-              <a:rPr lang="en-US" sz="2600" dirty="0" smtClean="0"/>
+              <a:rPr lang="en-US" sz="2600" dirty="0"/>
               <a:t>cache </a:t>
             </a:r>
             <a:r>
-              <a:rPr lang="el-GR" sz="2600" dirty="0" smtClean="0"/>
+              <a:rPr lang="el-GR" sz="2600" dirty="0"/>
               <a:t>με κακή πολιτική αντικατάστασης, κάθε δεδομένο θα πρέπει να φορτωθεί τουλάχιστον μια φορά.</a:t>
             </a:r>
           </a:p>
@@ -6886,7 +6834,7 @@
               <a:buFont typeface="Wingdings" pitchFamily="2" charset="2"/>
               <a:buChar char="ü"/>
             </a:pPr>
-            <a:endParaRPr lang="el-GR" sz="2600" dirty="0" smtClean="0"/>
+            <a:endParaRPr lang="el-GR" sz="2600" dirty="0"/>
           </a:p>
           <a:p>
             <a:pPr lvl="1" algn="just">
@@ -6894,53 +6842,53 @@
               <a:buChar char="ü"/>
             </a:pPr>
             <a:r>
-              <a:rPr lang="el-GR" sz="2600" dirty="0" smtClean="0"/>
+              <a:rPr lang="el-GR" sz="2600" dirty="0"/>
               <a:t>Στην ενδιάμεση κάνουμε τη θεώρηση ότι φορτώνουμε τα δεδομένα μας με </a:t>
             </a:r>
             <a:r>
-              <a:rPr lang="en-US" sz="2600" dirty="0" smtClean="0"/>
+              <a:rPr lang="en-US" sz="2600" dirty="0"/>
               <a:t>block </a:t>
             </a:r>
             <a:r>
-              <a:rPr lang="el-GR" sz="2600" dirty="0" smtClean="0"/>
+              <a:rPr lang="el-GR" sz="2600" dirty="0"/>
               <a:t>διαφόρων μεγεθών και προσομοιώνω την φόρτωση των </a:t>
             </a:r>
             <a:r>
-              <a:rPr lang="en-US" sz="2600" dirty="0" smtClean="0"/>
+              <a:rPr lang="en-US" sz="2600" dirty="0"/>
               <a:t>block </a:t>
             </a:r>
             <a:r>
-              <a:rPr lang="el-GR" sz="2600" dirty="0" smtClean="0"/>
+              <a:rPr lang="el-GR" sz="2600" dirty="0"/>
               <a:t>με την εγγραφή τιμών στην </a:t>
             </a:r>
             <a:r>
-              <a:rPr lang="en-US" sz="2600" dirty="0" smtClean="0"/>
+              <a:rPr lang="en-US" sz="2600" dirty="0"/>
               <a:t>Ram. </a:t>
             </a:r>
             <a:r>
-              <a:rPr lang="el-GR" sz="2600" dirty="0" smtClean="0"/>
+              <a:rPr lang="el-GR" sz="2600" dirty="0"/>
               <a:t>Επίσης, κάνουμε τη θεώρηση ότι το </a:t>
             </a:r>
             <a:r>
-              <a:rPr lang="en-US" sz="2600" dirty="0" smtClean="0"/>
+              <a:rPr lang="en-US" sz="2600" dirty="0"/>
               <a:t>block </a:t>
             </a:r>
             <a:r>
-              <a:rPr lang="el-GR" sz="2600" dirty="0" smtClean="0"/>
+              <a:rPr lang="el-GR" sz="2600" dirty="0"/>
               <a:t> δεν θα αντικατασταθεί πριν να τελειώσει η χρήση του.</a:t>
             </a:r>
-            <a:endParaRPr lang="en-US" sz="2600" dirty="0" smtClean="0"/>
+            <a:endParaRPr lang="en-US" sz="2600" dirty="0"/>
           </a:p>
           <a:p>
             <a:pPr lvl="0" algn="just">
               <a:buFont typeface="Wingdings" pitchFamily="2" charset="2"/>
               <a:buChar char="ü"/>
             </a:pPr>
-            <a:endParaRPr lang="en-US" sz="2800" dirty="0" smtClean="0"/>
+            <a:endParaRPr lang="en-US" sz="2800" dirty="0"/>
           </a:p>
           <a:p>
             <a:pPr lvl="0" algn="just"/>
-            <a:endParaRPr lang="en-US" sz="2800" dirty="0" smtClean="0"/>
+            <a:endParaRPr lang="en-US" sz="2800" dirty="0"/>
           </a:p>
         </p:txBody>
       </p:sp>
@@ -6992,7 +6940,7 @@
             <a:fld id="{D6CB7A37-9946-4CBE-94C1-29B994586F9D}" type="datetime2">
               <a:rPr lang="en-US" smtClean="0"/>
               <a:pPr/>
-              <a:t>Wednesday, February 27, 2019</a:t>
+              <a:t>Sunday, October 27, 2019</a:t>
             </a:fld>
             <a:endParaRPr lang="en-US" dirty="0"/>
           </a:p>
@@ -7044,7 +6992,7 @@
           <a:lstStyle/>
           <a:p>
             <a:r>
-              <a:rPr lang="el-GR" b="1" dirty="0" smtClean="0">
+              <a:rPr lang="el-GR" b="1" dirty="0">
                 <a:solidFill>
                   <a:schemeClr val="bg1">
                     <a:lumMod val="95000"/>
@@ -7054,7 +7002,7 @@
               <a:t>3</a:t>
             </a:r>
             <a:r>
-              <a:rPr lang="el-GR" b="1" baseline="30000" dirty="0" smtClean="0">
+              <a:rPr lang="el-GR" b="1" baseline="30000" dirty="0">
                 <a:solidFill>
                   <a:schemeClr val="bg1">
                     <a:lumMod val="95000"/>
@@ -7064,24 +7012,14 @@
               <a:t>ο</a:t>
             </a:r>
             <a:r>
-              <a:rPr lang="el-GR" b="1" dirty="0" smtClean="0">
+              <a:rPr lang="el-GR" b="1" dirty="0">
                 <a:solidFill>
                   <a:schemeClr val="bg1">
                     <a:lumMod val="95000"/>
                   </a:schemeClr>
                 </a:solidFill>
               </a:rPr>
-              <a:t> </a:t>
-            </a:r>
-            <a:r>
-              <a:rPr lang="el-GR" b="1" dirty="0" smtClean="0">
-                <a:solidFill>
-                  <a:schemeClr val="bg1">
-                    <a:lumMod val="95000"/>
-                  </a:schemeClr>
-                </a:solidFill>
-              </a:rPr>
-              <a:t>Κομμάτι της Εργασίας</a:t>
+              <a:t> Κομμάτι της Εργασίας</a:t>
             </a:r>
             <a:endParaRPr lang="en-US" b="1" dirty="0"/>
           </a:p>
@@ -7111,7 +7049,7 @@
           <a:p>
             <a:pPr algn="ctr"/>
             <a:r>
-              <a:rPr lang="el-GR" sz="2800" dirty="0" smtClean="0"/>
+              <a:rPr lang="el-GR" sz="2800" dirty="0"/>
               <a:t>Επαναχρησιμοποίηση δεδομένων</a:t>
             </a:r>
             <a:endParaRPr lang="en-US" sz="2800" dirty="0"/>
@@ -7123,7 +7061,7 @@
           <p:cNvPr id="10" name="TextBox 6">
             <a:extLst>
               <a:ext uri="{FF2B5EF4-FFF2-40B4-BE49-F238E27FC236}">
-                <a16:creationId xmlns="" xmlns:a16="http://schemas.microsoft.com/office/drawing/2014/main" id="{44357BAF-E71A-438E-B3D2-AA22D4CF3C24}"/>
+                <a16:creationId xmlns:a16="http://schemas.microsoft.com/office/drawing/2014/main" id="{44357BAF-E71A-438E-B3D2-AA22D4CF3C24}"/>
               </a:ext>
             </a:extLst>
           </p:cNvPr>
@@ -7151,15 +7089,15 @@
               <a:buChar char="ü"/>
             </a:pPr>
             <a:r>
-              <a:rPr lang="el-GR" sz="2800" dirty="0" smtClean="0"/>
+              <a:rPr lang="el-GR" sz="2800" dirty="0"/>
               <a:t>Χρησιμοποιήσαμε διατάξεις προσωρινής διάταξης (</a:t>
             </a:r>
             <a:r>
-              <a:rPr lang="en-US" sz="2800" dirty="0" smtClean="0"/>
+              <a:rPr lang="en-US" sz="2800" dirty="0"/>
               <a:t>buffer</a:t>
             </a:r>
             <a:r>
-              <a:rPr lang="el-GR" sz="2800" dirty="0" smtClean="0"/>
+              <a:rPr lang="el-GR" sz="2800" dirty="0"/>
               <a:t>).</a:t>
             </a:r>
           </a:p>
@@ -7168,7 +7106,7 @@
               <a:buFont typeface="Wingdings" pitchFamily="2" charset="2"/>
               <a:buChar char="ü"/>
             </a:pPr>
-            <a:endParaRPr lang="el-GR" sz="2800" dirty="0" smtClean="0"/>
+            <a:endParaRPr lang="el-GR" sz="2800" dirty="0"/>
           </a:p>
           <a:p>
             <a:pPr lvl="0" algn="just">
@@ -7176,23 +7114,23 @@
               <a:buChar char="ü"/>
             </a:pPr>
             <a:r>
-              <a:rPr lang="el-GR" sz="2800" dirty="0" smtClean="0"/>
+              <a:rPr lang="el-GR" sz="2800" dirty="0"/>
               <a:t>Οι διατάξεις αυτές μαζί με τους πίνακες (</a:t>
             </a:r>
             <a:r>
-              <a:rPr lang="en-US" sz="2800" dirty="0" smtClean="0"/>
+              <a:rPr lang="en-US" sz="2800" dirty="0"/>
               <a:t>kernel</a:t>
             </a:r>
             <a:r>
-              <a:rPr lang="el-GR" sz="2800" dirty="0" smtClean="0"/>
+              <a:rPr lang="el-GR" sz="2800" dirty="0"/>
               <a:t>) αποθηκεύονται στην μνήμη </a:t>
             </a:r>
             <a:r>
-              <a:rPr lang="en-US" sz="2800" dirty="0" smtClean="0"/>
+              <a:rPr lang="en-US" sz="2800" dirty="0"/>
               <a:t>cache</a:t>
             </a:r>
             <a:r>
-              <a:rPr lang="el-GR" sz="2800" dirty="0" smtClean="0"/>
+              <a:rPr lang="el-GR" sz="2800" dirty="0"/>
               <a:t>.</a:t>
             </a:r>
           </a:p>
@@ -7201,7 +7139,7 @@
               <a:buFont typeface="Wingdings" pitchFamily="2" charset="2"/>
               <a:buChar char="ü"/>
             </a:pPr>
-            <a:endParaRPr lang="el-GR" sz="2800" dirty="0" smtClean="0"/>
+            <a:endParaRPr lang="el-GR" sz="2800" dirty="0"/>
           </a:p>
           <a:p>
             <a:pPr lvl="0" algn="just">
@@ -7209,25 +7147,25 @@
               <a:buChar char="ü"/>
             </a:pPr>
             <a:r>
-              <a:rPr lang="el-GR" sz="2800" dirty="0" smtClean="0"/>
+              <a:rPr lang="el-GR" sz="2800" dirty="0"/>
               <a:t>Φορτώναμε Ν γραμμές του πίνακα και εφαρμόζαμε μια λογική κυλιόμενου παραθύρου. Ουσιαστικά μετά το τέλος χρήσης μιας γραμμής την αντικαθιστούσαμε με μια νέα γραμμή</a:t>
             </a:r>
             <a:r>
-              <a:rPr lang="en-US" sz="2800" dirty="0" smtClean="0"/>
+              <a:rPr lang="en-US" sz="2800" dirty="0"/>
               <a:t>.</a:t>
             </a:r>
             <a:r>
-              <a:rPr lang="el-GR" sz="2800" dirty="0" smtClean="0"/>
+              <a:rPr lang="el-GR" sz="2800" dirty="0"/>
               <a:t> Με αυτόν τον τρόπο, φορτώνουμε τα κάθε στοιχείο μια φορά, ενώ διαφορετικά θα ήθελε Ν-1 φορτώσεις.</a:t>
             </a:r>
-            <a:endParaRPr lang="en-US" sz="2800" dirty="0" smtClean="0"/>
+            <a:endParaRPr lang="en-US" sz="2800" dirty="0"/>
           </a:p>
           <a:p>
             <a:pPr lvl="0" algn="just">
               <a:buFont typeface="Wingdings" pitchFamily="2" charset="2"/>
               <a:buChar char="ü"/>
             </a:pPr>
-            <a:endParaRPr lang="en-US" sz="2800" dirty="0" smtClean="0"/>
+            <a:endParaRPr lang="en-US" sz="2800" dirty="0"/>
           </a:p>
           <a:p>
             <a:pPr lvl="0" algn="just">
@@ -7286,7 +7224,7 @@
             <a:fld id="{D6CB7A37-9946-4CBE-94C1-29B994586F9D}" type="datetime2">
               <a:rPr lang="en-US" smtClean="0"/>
               <a:pPr/>
-              <a:t>Wednesday, February 27, 2019</a:t>
+              <a:t>Sunday, October 27, 2019</a:t>
             </a:fld>
             <a:endParaRPr lang="en-US" dirty="0"/>
           </a:p>
@@ -7338,7 +7276,7 @@
           <a:lstStyle/>
           <a:p>
             <a:r>
-              <a:rPr lang="el-GR" b="1" dirty="0" smtClean="0">
+              <a:rPr lang="el-GR" b="1" dirty="0">
                 <a:solidFill>
                   <a:schemeClr val="bg1">
                     <a:lumMod val="95000"/>
@@ -7370,15 +7308,69 @@
                 <a:tableStyleId>{5940675A-B579-460E-94D1-54222C63F5DA}</a:tableStyleId>
               </a:tblPr>
               <a:tblGrid>
-                <a:gridCol w="919449"/>
-                <a:gridCol w="785980"/>
-                <a:gridCol w="860129"/>
-                <a:gridCol w="593193"/>
-                <a:gridCol w="785980"/>
-                <a:gridCol w="785980"/>
-                <a:gridCol w="785980"/>
-                <a:gridCol w="785980"/>
-                <a:gridCol w="860129"/>
+                <a:gridCol w="919449">
+                  <a:extLst>
+                    <a:ext uri="{9D8B030D-6E8A-4147-A177-3AD203B41FA5}">
+                      <a16:colId xmlns:a16="http://schemas.microsoft.com/office/drawing/2014/main" val="20000"/>
+                    </a:ext>
+                  </a:extLst>
+                </a:gridCol>
+                <a:gridCol w="785980">
+                  <a:extLst>
+                    <a:ext uri="{9D8B030D-6E8A-4147-A177-3AD203B41FA5}">
+                      <a16:colId xmlns:a16="http://schemas.microsoft.com/office/drawing/2014/main" val="20001"/>
+                    </a:ext>
+                  </a:extLst>
+                </a:gridCol>
+                <a:gridCol w="860129">
+                  <a:extLst>
+                    <a:ext uri="{9D8B030D-6E8A-4147-A177-3AD203B41FA5}">
+                      <a16:colId xmlns:a16="http://schemas.microsoft.com/office/drawing/2014/main" val="20002"/>
+                    </a:ext>
+                  </a:extLst>
+                </a:gridCol>
+                <a:gridCol w="593193">
+                  <a:extLst>
+                    <a:ext uri="{9D8B030D-6E8A-4147-A177-3AD203B41FA5}">
+                      <a16:colId xmlns:a16="http://schemas.microsoft.com/office/drawing/2014/main" val="20003"/>
+                    </a:ext>
+                  </a:extLst>
+                </a:gridCol>
+                <a:gridCol w="785980">
+                  <a:extLst>
+                    <a:ext uri="{9D8B030D-6E8A-4147-A177-3AD203B41FA5}">
+                      <a16:colId xmlns:a16="http://schemas.microsoft.com/office/drawing/2014/main" val="20004"/>
+                    </a:ext>
+                  </a:extLst>
+                </a:gridCol>
+                <a:gridCol w="785980">
+                  <a:extLst>
+                    <a:ext uri="{9D8B030D-6E8A-4147-A177-3AD203B41FA5}">
+                      <a16:colId xmlns:a16="http://schemas.microsoft.com/office/drawing/2014/main" val="20005"/>
+                    </a:ext>
+                  </a:extLst>
+                </a:gridCol>
+                <a:gridCol w="785980">
+                  <a:extLst>
+                    <a:ext uri="{9D8B030D-6E8A-4147-A177-3AD203B41FA5}">
+                      <a16:colId xmlns:a16="http://schemas.microsoft.com/office/drawing/2014/main" val="20006"/>
+                    </a:ext>
+                  </a:extLst>
+                </a:gridCol>
+                <a:gridCol w="785980">
+                  <a:extLst>
+                    <a:ext uri="{9D8B030D-6E8A-4147-A177-3AD203B41FA5}">
+                      <a16:colId xmlns:a16="http://schemas.microsoft.com/office/drawing/2014/main" val="20007"/>
+                    </a:ext>
+                  </a:extLst>
+                </a:gridCol>
+                <a:gridCol w="860129">
+                  <a:extLst>
+                    <a:ext uri="{9D8B030D-6E8A-4147-A177-3AD203B41FA5}">
+                      <a16:colId xmlns:a16="http://schemas.microsoft.com/office/drawing/2014/main" val="20008"/>
+                    </a:ext>
+                  </a:extLst>
+                </a:gridCol>
               </a:tblGrid>
               <a:tr h="236770">
                 <a:tc>
@@ -7573,6 +7565,11 @@
                   </a:txBody>
                   <a:tcPr marL="9466" marR="9466" marT="9466" marB="0"/>
                 </a:tc>
+                <a:extLst>
+                  <a:ext uri="{0D108BD9-81ED-4DB2-BD59-A6C34878D82A}">
+                    <a16:rowId xmlns:a16="http://schemas.microsoft.com/office/drawing/2014/main" val="10000"/>
+                  </a:ext>
+                </a:extLst>
               </a:tr>
               <a:tr h="248044">
                 <a:tc>
@@ -7745,6 +7742,11 @@
                   </a:txBody>
                   <a:tcPr marL="9466" marR="9466" marT="9466" marB="0"/>
                 </a:tc>
+                <a:extLst>
+                  <a:ext uri="{0D108BD9-81ED-4DB2-BD59-A6C34878D82A}">
+                    <a16:rowId xmlns:a16="http://schemas.microsoft.com/office/drawing/2014/main" val="10001"/>
+                  </a:ext>
+                </a:extLst>
               </a:tr>
               <a:tr h="236770">
                 <a:tc>
@@ -7917,6 +7919,11 @@
                   </a:txBody>
                   <a:tcPr marL="9466" marR="9466" marT="9466" marB="0"/>
                 </a:tc>
+                <a:extLst>
+                  <a:ext uri="{0D108BD9-81ED-4DB2-BD59-A6C34878D82A}">
+                    <a16:rowId xmlns:a16="http://schemas.microsoft.com/office/drawing/2014/main" val="10002"/>
+                  </a:ext>
+                </a:extLst>
               </a:tr>
               <a:tr h="236770">
                 <a:tc>
@@ -8089,6 +8096,11 @@
                   </a:txBody>
                   <a:tcPr marL="9466" marR="9466" marT="9466" marB="0"/>
                 </a:tc>
+                <a:extLst>
+                  <a:ext uri="{0D108BD9-81ED-4DB2-BD59-A6C34878D82A}">
+                    <a16:rowId xmlns:a16="http://schemas.microsoft.com/office/drawing/2014/main" val="10003"/>
+                  </a:ext>
+                </a:extLst>
               </a:tr>
               <a:tr h="236770">
                 <a:tc>
@@ -8261,6 +8273,11 @@
                   </a:txBody>
                   <a:tcPr marL="9466" marR="9466" marT="9466" marB="0"/>
                 </a:tc>
+                <a:extLst>
+                  <a:ext uri="{0D108BD9-81ED-4DB2-BD59-A6C34878D82A}">
+                    <a16:rowId xmlns:a16="http://schemas.microsoft.com/office/drawing/2014/main" val="10004"/>
+                  </a:ext>
+                </a:extLst>
               </a:tr>
               <a:tr h="236770">
                 <a:tc>
@@ -8433,6 +8450,11 @@
                   </a:txBody>
                   <a:tcPr marL="9466" marR="9466" marT="9466" marB="0"/>
                 </a:tc>
+                <a:extLst>
+                  <a:ext uri="{0D108BD9-81ED-4DB2-BD59-A6C34878D82A}">
+                    <a16:rowId xmlns:a16="http://schemas.microsoft.com/office/drawing/2014/main" val="10005"/>
+                  </a:ext>
+                </a:extLst>
               </a:tr>
               <a:tr h="236770">
                 <a:tc>
@@ -8605,6 +8627,11 @@
                   </a:txBody>
                   <a:tcPr marL="9466" marR="9466" marT="9466" marB="0"/>
                 </a:tc>
+                <a:extLst>
+                  <a:ext uri="{0D108BD9-81ED-4DB2-BD59-A6C34878D82A}">
+                    <a16:rowId xmlns:a16="http://schemas.microsoft.com/office/drawing/2014/main" val="10006"/>
+                  </a:ext>
+                </a:extLst>
               </a:tr>
               <a:tr h="236770">
                 <a:tc>
@@ -8777,6 +8804,11 @@
                   </a:txBody>
                   <a:tcPr marL="9466" marR="9466" marT="9466" marB="0"/>
                 </a:tc>
+                <a:extLst>
+                  <a:ext uri="{0D108BD9-81ED-4DB2-BD59-A6C34878D82A}">
+                    <a16:rowId xmlns:a16="http://schemas.microsoft.com/office/drawing/2014/main" val="10007"/>
+                  </a:ext>
+                </a:extLst>
               </a:tr>
               <a:tr h="236770">
                 <a:tc>
@@ -8949,6 +8981,11 @@
                   </a:txBody>
                   <a:tcPr marL="9466" marR="9466" marT="9466" marB="0"/>
                 </a:tc>
+                <a:extLst>
+                  <a:ext uri="{0D108BD9-81ED-4DB2-BD59-A6C34878D82A}">
+                    <a16:rowId xmlns:a16="http://schemas.microsoft.com/office/drawing/2014/main" val="10008"/>
+                  </a:ext>
+                </a:extLst>
               </a:tr>
               <a:tr h="236770">
                 <a:tc>
@@ -9131,6 +9168,11 @@
                   </a:txBody>
                   <a:tcPr marL="9466" marR="9466" marT="9466" marB="0"/>
                 </a:tc>
+                <a:extLst>
+                  <a:ext uri="{0D108BD9-81ED-4DB2-BD59-A6C34878D82A}">
+                    <a16:rowId xmlns:a16="http://schemas.microsoft.com/office/drawing/2014/main" val="10009"/>
+                  </a:ext>
+                </a:extLst>
               </a:tr>
               <a:tr h="236770">
                 <a:tc gridSpan="9">
@@ -9233,6 +9275,11 @@
                   </a:txBody>
                   <a:tcPr/>
                 </a:tc>
+                <a:extLst>
+                  <a:ext uri="{0D108BD9-81ED-4DB2-BD59-A6C34878D82A}">
+                    <a16:rowId xmlns:a16="http://schemas.microsoft.com/office/drawing/2014/main" val="10010"/>
+                  </a:ext>
+                </a:extLst>
               </a:tr>
               <a:tr h="236770">
                 <a:tc>
@@ -9415,6 +9462,11 @@
                   </a:txBody>
                   <a:tcPr marL="9466" marR="9466" marT="9466" marB="0"/>
                 </a:tc>
+                <a:extLst>
+                  <a:ext uri="{0D108BD9-81ED-4DB2-BD59-A6C34878D82A}">
+                    <a16:rowId xmlns:a16="http://schemas.microsoft.com/office/drawing/2014/main" val="10011"/>
+                  </a:ext>
+                </a:extLst>
               </a:tr>
               <a:tr h="236770">
                 <a:tc>
@@ -9587,6 +9639,11 @@
                   </a:txBody>
                   <a:tcPr marL="9466" marR="9466" marT="9466" marB="0"/>
                 </a:tc>
+                <a:extLst>
+                  <a:ext uri="{0D108BD9-81ED-4DB2-BD59-A6C34878D82A}">
+                    <a16:rowId xmlns:a16="http://schemas.microsoft.com/office/drawing/2014/main" val="10012"/>
+                  </a:ext>
+                </a:extLst>
               </a:tr>
               <a:tr h="236770">
                 <a:tc>
@@ -9759,6 +9816,11 @@
                   </a:txBody>
                   <a:tcPr marL="9466" marR="9466" marT="9466" marB="0"/>
                 </a:tc>
+                <a:extLst>
+                  <a:ext uri="{0D108BD9-81ED-4DB2-BD59-A6C34878D82A}">
+                    <a16:rowId xmlns:a16="http://schemas.microsoft.com/office/drawing/2014/main" val="10013"/>
+                  </a:ext>
+                </a:extLst>
               </a:tr>
               <a:tr h="236770">
                 <a:tc>
@@ -9931,6 +9993,11 @@
                   </a:txBody>
                   <a:tcPr marL="9466" marR="9466" marT="9466" marB="0"/>
                 </a:tc>
+                <a:extLst>
+                  <a:ext uri="{0D108BD9-81ED-4DB2-BD59-A6C34878D82A}">
+                    <a16:rowId xmlns:a16="http://schemas.microsoft.com/office/drawing/2014/main" val="10014"/>
+                  </a:ext>
+                </a:extLst>
               </a:tr>
               <a:tr h="236770">
                 <a:tc>
@@ -10103,6 +10170,11 @@
                   </a:txBody>
                   <a:tcPr marL="9466" marR="9466" marT="9466" marB="0"/>
                 </a:tc>
+                <a:extLst>
+                  <a:ext uri="{0D108BD9-81ED-4DB2-BD59-A6C34878D82A}">
+                    <a16:rowId xmlns:a16="http://schemas.microsoft.com/office/drawing/2014/main" val="10015"/>
+                  </a:ext>
+                </a:extLst>
               </a:tr>
             </a:tbl>
           </a:graphicData>
